--- a/HW7_sobel/N06-Tutorial/專案進度報告-Sobel_VGA-吳東穎-20230531.pptx
+++ b/HW7_sobel/N06-Tutorial/專案進度報告-Sobel_VGA-吳東穎-20230531.pptx
@@ -5086,7 +5086,15 @@
             </a:br>
             <a:r>
               <a:rPr lang="en-US" altLang="zh-TW" sz="5600" b="0" dirty="0"/>
-              <a:t>Block Ram, Sobel</a:t>
+              <a:t>Block Ram, Sobel(</a:t>
+            </a:r>
+            <a:r>
+              <a:rPr lang="zh-TW" altLang="en-US" sz="5600" b="0" dirty="0"/>
+              <a:t>邊緣檢測</a:t>
+            </a:r>
+            <a:r>
+              <a:rPr lang="en-US" altLang="zh-TW" sz="5600" b="0" dirty="0"/>
+              <a:t>)</a:t>
             </a:r>
             <a:endParaRPr lang="zh-TW" altLang="en-US" sz="4000" b="0" dirty="0"/>
           </a:p>
@@ -6104,7 +6112,7 @@
         </p:nvCxnSpPr>
         <p:spPr>
           <a:xfrm>
-            <a:off x="5438622" y="4471565"/>
+            <a:off x="5403110" y="4471565"/>
             <a:ext cx="315993" cy="266023"/>
           </a:xfrm>
           <a:prstGeom prst="line">
@@ -6206,7 +6214,7 @@
             </a:r>
             <a:r>
               <a:rPr lang="en-US" altLang="zh-TW" sz="4000" dirty="0"/>
-              <a:t>(2023/5/28</a:t>
+              <a:t>(2023/5/30</a:t>
             </a:r>
             <a:r>
               <a:rPr lang="zh-TW" altLang="en-US" sz="4000" dirty="0"/>
@@ -6222,10 +6230,10 @@
       </p:sp>
       <p:sp>
         <p:nvSpPr>
-          <p:cNvPr id="4" name="文字方塊 3">
+          <p:cNvPr id="5" name="文字方塊 4">
             <a:extLst>
               <a:ext uri="{FF2B5EF4-FFF2-40B4-BE49-F238E27FC236}">
-                <a16:creationId xmlns:a16="http://schemas.microsoft.com/office/drawing/2014/main" id="{3B666394-AEC8-471C-8F95-8308C72E30DF}"/>
+                <a16:creationId xmlns:a16="http://schemas.microsoft.com/office/drawing/2014/main" id="{E1A9D167-B30C-413D-934D-81D80A8792EE}"/>
               </a:ext>
             </a:extLst>
           </p:cNvPr>
@@ -6234,8 +6242,8 @@
         </p:nvSpPr>
         <p:spPr>
           <a:xfrm>
-            <a:off x="1651247" y="1537030"/>
-            <a:ext cx="6977848" cy="1323439"/>
+            <a:off x="1240404" y="1713966"/>
+            <a:ext cx="1349405" cy="584775"/>
           </a:xfrm>
           <a:prstGeom prst="rect">
             <a:avLst/>
@@ -6248,88 +6256,1196 @@
           </a:bodyPr>
           <a:lstStyle/>
           <a:p>
-            <a:pPr marL="742950" lvl="1" indent="-285750">
-              <a:buFont typeface="Arial" panose="020B0604020202020204" pitchFamily="34" charset="0"/>
-              <a:buChar char="•"/>
-            </a:pPr>
-            <a:r>
-              <a:rPr lang="zh-TW" altLang="en-US" sz="1600" dirty="0">
+            <a:pPr lvl="1"/>
+            <a:r>
+              <a:rPr lang="en-US" altLang="zh-TW" sz="1600" dirty="0">
                 <a:latin typeface="Times New Roman" panose="02020603050405020304" pitchFamily="18" charset="0"/>
                 <a:ea typeface="標楷體" panose="03000509000000000000" pitchFamily="65" charset="-120"/>
               </a:rPr>
-              <a:t>方塊圖</a:t>
-            </a:r>
-            <a:endParaRPr lang="en-US" altLang="zh-TW" sz="1600" dirty="0">
+              <a:t>PC</a:t>
+            </a:r>
+            <a:endParaRPr lang="zh-TW" altLang="en-US" sz="1600" dirty="0">
               <a:latin typeface="Times New Roman" panose="02020603050405020304" pitchFamily="18" charset="0"/>
               <a:ea typeface="標楷體" panose="03000509000000000000" pitchFamily="65" charset="-120"/>
             </a:endParaRPr>
           </a:p>
           <a:p>
-            <a:pPr marL="1200150" lvl="2" indent="-285750">
-              <a:buFont typeface="Arial" panose="020B0604020202020204" pitchFamily="34" charset="0"/>
-              <a:buChar char="•"/>
-            </a:pPr>
-            <a:r>
-              <a:rPr lang="en-US" altLang="zh-TW" sz="1600" dirty="0" err="1">
-                <a:latin typeface="Times New Roman" panose="02020603050405020304" pitchFamily="18" charset="0"/>
-                <a:ea typeface="標楷體" panose="03000509000000000000" pitchFamily="65" charset="-120"/>
-              </a:rPr>
-              <a:t>Bram_gary</a:t>
-            </a:r>
-            <a:r>
-              <a:rPr lang="en-US" altLang="zh-TW" sz="1600" dirty="0">
-                <a:latin typeface="Times New Roman" panose="02020603050405020304" pitchFamily="18" charset="0"/>
-                <a:ea typeface="標楷體" panose="03000509000000000000" pitchFamily="65" charset="-120"/>
-              </a:rPr>
-              <a:t> (.COE)</a:t>
-            </a:r>
-          </a:p>
-          <a:p>
-            <a:pPr marL="1200150" lvl="2" indent="-285750">
-              <a:buFont typeface="Arial" panose="020B0604020202020204" pitchFamily="34" charset="0"/>
-              <a:buChar char="•"/>
-            </a:pPr>
-            <a:r>
-              <a:rPr lang="en-US" altLang="zh-TW" sz="1600" dirty="0"/>
-              <a:t>Cache system</a:t>
-            </a:r>
-            <a:endParaRPr lang="en-US" altLang="zh-TW" sz="1600" dirty="0">
+            <a:pPr lvl="1"/>
+            <a:endParaRPr lang="zh-TW" altLang="en-US" sz="1600" dirty="0">
               <a:latin typeface="Times New Roman" panose="02020603050405020304" pitchFamily="18" charset="0"/>
               <a:ea typeface="標楷體" panose="03000509000000000000" pitchFamily="65" charset="-120"/>
             </a:endParaRPr>
           </a:p>
-          <a:p>
-            <a:pPr marL="1200150" lvl="2" indent="-285750">
-              <a:buFont typeface="Arial" panose="020B0604020202020204" pitchFamily="34" charset="0"/>
-              <a:buChar char="•"/>
-            </a:pPr>
-            <a:r>
-              <a:rPr lang="en-US" altLang="zh-TW" sz="1600" dirty="0" err="1">
+        </p:txBody>
+      </p:sp>
+      <p:sp>
+        <p:nvSpPr>
+          <p:cNvPr id="6" name="文字方塊 5">
+            <a:extLst>
+              <a:ext uri="{FF2B5EF4-FFF2-40B4-BE49-F238E27FC236}">
+                <a16:creationId xmlns:a16="http://schemas.microsoft.com/office/drawing/2014/main" id="{CDDAFC5D-1C23-41E6-AAD1-E6AD62CD72DC}"/>
+              </a:ext>
+            </a:extLst>
+          </p:cNvPr>
+          <p:cNvSpPr txBox="1"/>
+          <p:nvPr/>
+        </p:nvSpPr>
+        <p:spPr>
+          <a:xfrm>
+            <a:off x="4661206" y="2008300"/>
+            <a:ext cx="1349405" cy="450615"/>
+          </a:xfrm>
+          <a:prstGeom prst="rect">
+            <a:avLst/>
+          </a:prstGeom>
+          <a:noFill/>
+        </p:spPr>
+        <p:txBody>
+          <a:bodyPr wrap="square" rtlCol="0">
+            <a:spAutoFit/>
+          </a:bodyPr>
+          <a:lstStyle/>
+          <a:p>
+            <a:pPr lvl="1"/>
+            <a:r>
+              <a:rPr lang="en-US" altLang="zh-TW" sz="1600" dirty="0">
                 <a:latin typeface="Times New Roman" panose="02020603050405020304" pitchFamily="18" charset="0"/>
                 <a:ea typeface="標楷體" panose="03000509000000000000" pitchFamily="65" charset="-120"/>
               </a:rPr>
-              <a:t>sobel</a:t>
-            </a:r>
-            <a:endParaRPr lang="en-US" altLang="zh-TW" sz="1600" dirty="0">
+              <a:t>FPGA</a:t>
+            </a:r>
+            <a:endParaRPr lang="zh-TW" altLang="en-US" sz="1600" dirty="0">
               <a:latin typeface="Times New Roman" panose="02020603050405020304" pitchFamily="18" charset="0"/>
               <a:ea typeface="標楷體" panose="03000509000000000000" pitchFamily="65" charset="-120"/>
             </a:endParaRPr>
           </a:p>
-          <a:p>
-            <a:pPr marL="1200150" lvl="2" indent="-285750">
-              <a:buFont typeface="Arial" panose="020B0604020202020204" pitchFamily="34" charset="0"/>
-              <a:buChar char="•"/>
-            </a:pPr>
-            <a:r>
-              <a:rPr lang="en-US" altLang="zh-TW" sz="1600" dirty="0" err="1">
+        </p:txBody>
+      </p:sp>
+      <p:sp>
+        <p:nvSpPr>
+          <p:cNvPr id="7" name="矩形: 圓角 6">
+            <a:extLst>
+              <a:ext uri="{FF2B5EF4-FFF2-40B4-BE49-F238E27FC236}">
+                <a16:creationId xmlns:a16="http://schemas.microsoft.com/office/drawing/2014/main" id="{093A8E29-38EF-43CB-9E5C-6B5DCBC61876}"/>
+              </a:ext>
+            </a:extLst>
+          </p:cNvPr>
+          <p:cNvSpPr/>
+          <p:nvPr/>
+        </p:nvSpPr>
+        <p:spPr>
+          <a:xfrm>
+            <a:off x="682751" y="2096910"/>
+            <a:ext cx="2464708" cy="2721847"/>
+          </a:xfrm>
+          <a:prstGeom prst="roundRect">
+            <a:avLst/>
+          </a:prstGeom>
+          <a:ln w="28575"/>
+        </p:spPr>
+        <p:style>
+          <a:lnRef idx="2">
+            <a:schemeClr val="accent6"/>
+          </a:lnRef>
+          <a:fillRef idx="1">
+            <a:schemeClr val="lt1"/>
+          </a:fillRef>
+          <a:effectRef idx="0">
+            <a:schemeClr val="accent6"/>
+          </a:effectRef>
+          <a:fontRef idx="minor">
+            <a:schemeClr val="dk1"/>
+          </a:fontRef>
+        </p:style>
+        <p:txBody>
+          <a:bodyPr rtlCol="0" anchor="t"/>
+          <a:lstStyle/>
+          <a:p>
+            <a:endParaRPr lang="zh-TW" altLang="en-US" dirty="0"/>
+          </a:p>
+        </p:txBody>
+      </p:sp>
+      <p:sp>
+        <p:nvSpPr>
+          <p:cNvPr id="8" name="矩形: 圓角 7">
+            <a:extLst>
+              <a:ext uri="{FF2B5EF4-FFF2-40B4-BE49-F238E27FC236}">
+                <a16:creationId xmlns:a16="http://schemas.microsoft.com/office/drawing/2014/main" id="{A53C9118-DEC7-4442-B7F8-ECA3431D5D30}"/>
+              </a:ext>
+            </a:extLst>
+          </p:cNvPr>
+          <p:cNvSpPr/>
+          <p:nvPr/>
+        </p:nvSpPr>
+        <p:spPr>
+          <a:xfrm>
+            <a:off x="3375521" y="2067831"/>
+            <a:ext cx="5223100" cy="3622779"/>
+          </a:xfrm>
+          <a:prstGeom prst="roundRect">
+            <a:avLst/>
+          </a:prstGeom>
+          <a:ln w="28575"/>
+        </p:spPr>
+        <p:style>
+          <a:lnRef idx="2">
+            <a:schemeClr val="accent6"/>
+          </a:lnRef>
+          <a:fillRef idx="1">
+            <a:schemeClr val="lt1"/>
+          </a:fillRef>
+          <a:effectRef idx="0">
+            <a:schemeClr val="accent6"/>
+          </a:effectRef>
+          <a:fontRef idx="minor">
+            <a:schemeClr val="dk1"/>
+          </a:fontRef>
+        </p:style>
+        <p:txBody>
+          <a:bodyPr rtlCol="0" anchor="t"/>
+          <a:lstStyle/>
+          <a:p>
+            <a:endParaRPr lang="zh-TW" altLang="en-US" dirty="0"/>
+          </a:p>
+        </p:txBody>
+      </p:sp>
+      <p:sp>
+        <p:nvSpPr>
+          <p:cNvPr id="9" name="矩形: 圓角 8">
+            <a:extLst>
+              <a:ext uri="{FF2B5EF4-FFF2-40B4-BE49-F238E27FC236}">
+                <a16:creationId xmlns:a16="http://schemas.microsoft.com/office/drawing/2014/main" id="{2583892E-AFE7-428C-BFF1-80E2982096A4}"/>
+              </a:ext>
+            </a:extLst>
+          </p:cNvPr>
+          <p:cNvSpPr/>
+          <p:nvPr/>
+        </p:nvSpPr>
+        <p:spPr>
+          <a:xfrm>
+            <a:off x="1028688" y="2781587"/>
+            <a:ext cx="1755078" cy="491415"/>
+          </a:xfrm>
+          <a:prstGeom prst="roundRect">
+            <a:avLst/>
+          </a:prstGeom>
+          <a:ln w="28575"/>
+        </p:spPr>
+        <p:style>
+          <a:lnRef idx="2">
+            <a:schemeClr val="accent6"/>
+          </a:lnRef>
+          <a:fillRef idx="1">
+            <a:schemeClr val="lt1"/>
+          </a:fillRef>
+          <a:effectRef idx="0">
+            <a:schemeClr val="accent6"/>
+          </a:effectRef>
+          <a:fontRef idx="minor">
+            <a:schemeClr val="dk1"/>
+          </a:fontRef>
+        </p:style>
+        <p:txBody>
+          <a:bodyPr rtlCol="0" anchor="t"/>
+          <a:lstStyle/>
+          <a:p>
+            <a:r>
+              <a:rPr lang="en-US" altLang="zh-TW" dirty="0"/>
+              <a:t>.bmp </a:t>
+            </a:r>
+            <a:r>
+              <a:rPr lang="zh-TW" altLang="en-US" dirty="0">
+                <a:ea typeface="標楷體" panose="03000509000000000000" pitchFamily="65" charset="-120"/>
+              </a:rPr>
+              <a:t>轉檔 </a:t>
+            </a:r>
+            <a:r>
+              <a:rPr lang="en-US" altLang="zh-TW" dirty="0">
+                <a:ea typeface="標楷體" panose="03000509000000000000" pitchFamily="65" charset="-120"/>
+              </a:rPr>
+              <a:t>.COE</a:t>
+            </a:r>
+            <a:endParaRPr lang="zh-TW" altLang="en-US" dirty="0">
+              <a:ea typeface="標楷體" panose="03000509000000000000" pitchFamily="65" charset="-120"/>
+            </a:endParaRPr>
+          </a:p>
+        </p:txBody>
+      </p:sp>
+      <p:sp>
+        <p:nvSpPr>
+          <p:cNvPr id="10" name="矩形: 圓角 9">
+            <a:extLst>
+              <a:ext uri="{FF2B5EF4-FFF2-40B4-BE49-F238E27FC236}">
+                <a16:creationId xmlns:a16="http://schemas.microsoft.com/office/drawing/2014/main" id="{E3D4FD11-8070-4A10-BCE8-203CF4F8A7D3}"/>
+              </a:ext>
+            </a:extLst>
+          </p:cNvPr>
+          <p:cNvSpPr/>
+          <p:nvPr/>
+        </p:nvSpPr>
+        <p:spPr>
+          <a:xfrm>
+            <a:off x="835138" y="3738136"/>
+            <a:ext cx="2159933" cy="450327"/>
+          </a:xfrm>
+          <a:prstGeom prst="roundRect">
+            <a:avLst/>
+          </a:prstGeom>
+          <a:ln w="28575"/>
+        </p:spPr>
+        <p:style>
+          <a:lnRef idx="2">
+            <a:schemeClr val="accent6"/>
+          </a:lnRef>
+          <a:fillRef idx="1">
+            <a:schemeClr val="lt1"/>
+          </a:fillRef>
+          <a:effectRef idx="0">
+            <a:schemeClr val="accent6"/>
+          </a:effectRef>
+          <a:fontRef idx="minor">
+            <a:schemeClr val="dk1"/>
+          </a:fontRef>
+        </p:style>
+        <p:txBody>
+          <a:bodyPr rtlCol="0" anchor="t"/>
+          <a:lstStyle/>
+          <a:p>
+            <a:r>
+              <a:rPr lang="en-US" altLang="zh-TW" dirty="0"/>
+              <a:t>.COE</a:t>
+            </a:r>
+            <a:r>
+              <a:rPr lang="zh-TW" altLang="en-US" dirty="0"/>
+              <a:t> </a:t>
+            </a:r>
+            <a:r>
+              <a:rPr lang="zh-TW" altLang="en-US" dirty="0">
+                <a:ea typeface="標楷體" panose="03000509000000000000" pitchFamily="65" charset="-120"/>
+              </a:rPr>
+              <a:t>生成</a:t>
+            </a:r>
+            <a:r>
+              <a:rPr lang="en-US" altLang="zh-TW" dirty="0">
+                <a:ea typeface="標楷體" panose="03000509000000000000" pitchFamily="65" charset="-120"/>
+              </a:rPr>
+              <a:t>Bram IP</a:t>
+            </a:r>
+            <a:r>
+              <a:rPr lang="zh-TW" altLang="en-US" dirty="0">
+                <a:ea typeface="標楷體" panose="03000509000000000000" pitchFamily="65" charset="-120"/>
+              </a:rPr>
+              <a:t>核</a:t>
+            </a:r>
+          </a:p>
+        </p:txBody>
+      </p:sp>
+      <p:sp>
+        <p:nvSpPr>
+          <p:cNvPr id="11" name="矩形: 圓角 10">
+            <a:extLst>
+              <a:ext uri="{FF2B5EF4-FFF2-40B4-BE49-F238E27FC236}">
+                <a16:creationId xmlns:a16="http://schemas.microsoft.com/office/drawing/2014/main" id="{E47C8300-AD69-4444-A5EB-590379672FCB}"/>
+              </a:ext>
+            </a:extLst>
+          </p:cNvPr>
+          <p:cNvSpPr/>
+          <p:nvPr/>
+        </p:nvSpPr>
+        <p:spPr>
+          <a:xfrm>
+            <a:off x="4114638" y="2359775"/>
+            <a:ext cx="1598790" cy="708477"/>
+          </a:xfrm>
+          <a:prstGeom prst="roundRect">
+            <a:avLst/>
+          </a:prstGeom>
+          <a:ln w="28575"/>
+        </p:spPr>
+        <p:style>
+          <a:lnRef idx="2">
+            <a:schemeClr val="accent6"/>
+          </a:lnRef>
+          <a:fillRef idx="1">
+            <a:schemeClr val="lt1"/>
+          </a:fillRef>
+          <a:effectRef idx="0">
+            <a:schemeClr val="accent6"/>
+          </a:effectRef>
+          <a:fontRef idx="minor">
+            <a:schemeClr val="dk1"/>
+          </a:fontRef>
+        </p:style>
+        <p:txBody>
+          <a:bodyPr rtlCol="0" anchor="t"/>
+          <a:lstStyle/>
+          <a:p>
+            <a:r>
+              <a:rPr lang="zh-TW" altLang="en-US" dirty="0">
+                <a:ea typeface="標楷體" panose="03000509000000000000" pitchFamily="65" charset="-120"/>
+              </a:rPr>
+              <a:t>計數器同步</a:t>
+            </a:r>
+            <a:r>
+              <a:rPr lang="en-US" altLang="zh-TW" dirty="0">
+                <a:ea typeface="標楷體" panose="03000509000000000000" pitchFamily="65" charset="-120"/>
+              </a:rPr>
+              <a:t>VGA</a:t>
+            </a:r>
+            <a:r>
+              <a:rPr lang="zh-TW" altLang="en-US" dirty="0">
+                <a:ea typeface="標楷體" panose="03000509000000000000" pitchFamily="65" charset="-120"/>
+              </a:rPr>
+              <a:t>時脈上數</a:t>
+            </a:r>
+          </a:p>
+        </p:txBody>
+      </p:sp>
+      <p:sp>
+        <p:nvSpPr>
+          <p:cNvPr id="12" name="矩形: 圓角 11">
+            <a:extLst>
+              <a:ext uri="{FF2B5EF4-FFF2-40B4-BE49-F238E27FC236}">
+                <a16:creationId xmlns:a16="http://schemas.microsoft.com/office/drawing/2014/main" id="{556B928B-90F0-4BAB-AB08-6B72BEE40FBE}"/>
+              </a:ext>
+            </a:extLst>
+          </p:cNvPr>
+          <p:cNvSpPr/>
+          <p:nvPr/>
+        </p:nvSpPr>
+        <p:spPr>
+          <a:xfrm>
+            <a:off x="3841200" y="3560935"/>
+            <a:ext cx="2053701" cy="708477"/>
+          </a:xfrm>
+          <a:prstGeom prst="roundRect">
+            <a:avLst/>
+          </a:prstGeom>
+          <a:ln w="28575"/>
+        </p:spPr>
+        <p:style>
+          <a:lnRef idx="2">
+            <a:schemeClr val="accent6"/>
+          </a:lnRef>
+          <a:fillRef idx="1">
+            <a:schemeClr val="lt1"/>
+          </a:fillRef>
+          <a:effectRef idx="0">
+            <a:schemeClr val="accent6"/>
+          </a:effectRef>
+          <a:fontRef idx="minor">
+            <a:schemeClr val="dk1"/>
+          </a:fontRef>
+        </p:style>
+        <p:txBody>
+          <a:bodyPr rtlCol="0" anchor="t"/>
+          <a:lstStyle/>
+          <a:p>
+            <a:r>
+              <a:rPr lang="zh-TW" altLang="en-US" dirty="0">
+                <a:ea typeface="標楷體" panose="03000509000000000000" pitchFamily="65" charset="-120"/>
+              </a:rPr>
+              <a:t>輸出計數器對應</a:t>
+            </a:r>
+            <a:r>
+              <a:rPr lang="en-US" altLang="zh-TW" dirty="0" err="1">
+                <a:ea typeface="標楷體" panose="03000509000000000000" pitchFamily="65" charset="-120"/>
+              </a:rPr>
+              <a:t>BRam</a:t>
+            </a:r>
+            <a:r>
+              <a:rPr lang="zh-TW" altLang="en-US" dirty="0">
+                <a:ea typeface="標楷體" panose="03000509000000000000" pitchFamily="65" charset="-120"/>
+              </a:rPr>
+              <a:t>位址之資料</a:t>
+            </a:r>
+          </a:p>
+        </p:txBody>
+      </p:sp>
+      <p:sp>
+        <p:nvSpPr>
+          <p:cNvPr id="13" name="文字方塊 12">
+            <a:extLst>
+              <a:ext uri="{FF2B5EF4-FFF2-40B4-BE49-F238E27FC236}">
+                <a16:creationId xmlns:a16="http://schemas.microsoft.com/office/drawing/2014/main" id="{6C95C8D7-6D43-43B4-AE16-0C6A933C33D6}"/>
+              </a:ext>
+            </a:extLst>
+          </p:cNvPr>
+          <p:cNvSpPr txBox="1"/>
+          <p:nvPr/>
+        </p:nvSpPr>
+        <p:spPr>
+          <a:xfrm>
+            <a:off x="9335611" y="1688537"/>
+            <a:ext cx="1349405" cy="338554"/>
+          </a:xfrm>
+          <a:prstGeom prst="rect">
+            <a:avLst/>
+          </a:prstGeom>
+          <a:noFill/>
+        </p:spPr>
+        <p:txBody>
+          <a:bodyPr wrap="square" rtlCol="0">
+            <a:spAutoFit/>
+          </a:bodyPr>
+          <a:lstStyle/>
+          <a:p>
+            <a:pPr lvl="1"/>
+            <a:r>
+              <a:rPr lang="en-US" altLang="zh-TW" sz="1600" dirty="0">
                 <a:latin typeface="Times New Roman" panose="02020603050405020304" pitchFamily="18" charset="0"/>
                 <a:ea typeface="標楷體" panose="03000509000000000000" pitchFamily="65" charset="-120"/>
               </a:rPr>
-              <a:t>RGB_out</a:t>
-            </a:r>
-            <a:endParaRPr lang="en-US" altLang="zh-TW" sz="1600" dirty="0">
+              <a:t>VGA</a:t>
+            </a:r>
+            <a:endParaRPr lang="zh-TW" altLang="en-US" sz="1600" dirty="0">
               <a:latin typeface="Times New Roman" panose="02020603050405020304" pitchFamily="18" charset="0"/>
               <a:ea typeface="標楷體" panose="03000509000000000000" pitchFamily="65" charset="-120"/>
+            </a:endParaRPr>
+          </a:p>
+        </p:txBody>
+      </p:sp>
+      <p:sp>
+        <p:nvSpPr>
+          <p:cNvPr id="14" name="矩形: 圓角 13">
+            <a:extLst>
+              <a:ext uri="{FF2B5EF4-FFF2-40B4-BE49-F238E27FC236}">
+                <a16:creationId xmlns:a16="http://schemas.microsoft.com/office/drawing/2014/main" id="{0793F9E0-9E15-42FC-92EE-F2D47D93FD75}"/>
+              </a:ext>
+            </a:extLst>
+          </p:cNvPr>
+          <p:cNvSpPr/>
+          <p:nvPr/>
+        </p:nvSpPr>
+        <p:spPr>
+          <a:xfrm>
+            <a:off x="8897970" y="2077021"/>
+            <a:ext cx="2464708" cy="2721847"/>
+          </a:xfrm>
+          <a:prstGeom prst="roundRect">
+            <a:avLst/>
+          </a:prstGeom>
+          <a:ln w="28575"/>
+        </p:spPr>
+        <p:style>
+          <a:lnRef idx="2">
+            <a:schemeClr val="accent6"/>
+          </a:lnRef>
+          <a:fillRef idx="1">
+            <a:schemeClr val="lt1"/>
+          </a:fillRef>
+          <a:effectRef idx="0">
+            <a:schemeClr val="accent6"/>
+          </a:effectRef>
+          <a:fontRef idx="minor">
+            <a:schemeClr val="dk1"/>
+          </a:fontRef>
+        </p:style>
+        <p:txBody>
+          <a:bodyPr rtlCol="0" anchor="t"/>
+          <a:lstStyle/>
+          <a:p>
+            <a:endParaRPr lang="zh-TW" altLang="en-US" dirty="0"/>
+          </a:p>
+        </p:txBody>
+      </p:sp>
+      <p:sp>
+        <p:nvSpPr>
+          <p:cNvPr id="15" name="箭號: 向下 14">
+            <a:extLst>
+              <a:ext uri="{FF2B5EF4-FFF2-40B4-BE49-F238E27FC236}">
+                <a16:creationId xmlns:a16="http://schemas.microsoft.com/office/drawing/2014/main" id="{9F248009-1BEF-4325-804D-D7AF5FB0C483}"/>
+              </a:ext>
+            </a:extLst>
+          </p:cNvPr>
+          <p:cNvSpPr/>
+          <p:nvPr/>
+        </p:nvSpPr>
+        <p:spPr>
+          <a:xfrm>
+            <a:off x="1786380" y="3283022"/>
+            <a:ext cx="292963" cy="450326"/>
+          </a:xfrm>
+          <a:prstGeom prst="downArrow">
+            <a:avLst/>
+          </a:prstGeom>
+          <a:ln>
+            <a:noFill/>
+          </a:ln>
+        </p:spPr>
+        <p:style>
+          <a:lnRef idx="3">
+            <a:schemeClr val="lt1"/>
+          </a:lnRef>
+          <a:fillRef idx="1">
+            <a:schemeClr val="accent6"/>
+          </a:fillRef>
+          <a:effectRef idx="1">
+            <a:schemeClr val="accent6"/>
+          </a:effectRef>
+          <a:fontRef idx="minor">
+            <a:schemeClr val="lt1"/>
+          </a:fontRef>
+        </p:style>
+        <p:txBody>
+          <a:bodyPr rtlCol="0" anchor="ctr"/>
+          <a:lstStyle/>
+          <a:p>
+            <a:pPr algn="ctr"/>
+            <a:endParaRPr lang="zh-TW" altLang="en-US"/>
+          </a:p>
+        </p:txBody>
+      </p:sp>
+      <p:sp>
+        <p:nvSpPr>
+          <p:cNvPr id="16" name="箭號: 向下 15">
+            <a:extLst>
+              <a:ext uri="{FF2B5EF4-FFF2-40B4-BE49-F238E27FC236}">
+                <a16:creationId xmlns:a16="http://schemas.microsoft.com/office/drawing/2014/main" id="{9ABC023A-A4F9-47DB-9481-6822B7CBDE01}"/>
+              </a:ext>
+            </a:extLst>
+          </p:cNvPr>
+          <p:cNvSpPr/>
+          <p:nvPr/>
+        </p:nvSpPr>
+        <p:spPr>
+          <a:xfrm rot="16200000">
+            <a:off x="3262527" y="3520688"/>
+            <a:ext cx="333744" cy="816903"/>
+          </a:xfrm>
+          <a:prstGeom prst="downArrow">
+            <a:avLst/>
+          </a:prstGeom>
+          <a:ln>
+            <a:noFill/>
+          </a:ln>
+        </p:spPr>
+        <p:style>
+          <a:lnRef idx="3">
+            <a:schemeClr val="lt1"/>
+          </a:lnRef>
+          <a:fillRef idx="1">
+            <a:schemeClr val="accent6"/>
+          </a:fillRef>
+          <a:effectRef idx="1">
+            <a:schemeClr val="accent6"/>
+          </a:effectRef>
+          <a:fontRef idx="minor">
+            <a:schemeClr val="lt1"/>
+          </a:fontRef>
+        </p:style>
+        <p:txBody>
+          <a:bodyPr rtlCol="0" anchor="ctr"/>
+          <a:lstStyle/>
+          <a:p>
+            <a:pPr algn="ctr"/>
+            <a:endParaRPr lang="zh-TW" altLang="en-US"/>
+          </a:p>
+        </p:txBody>
+      </p:sp>
+      <p:sp>
+        <p:nvSpPr>
+          <p:cNvPr id="17" name="箭號: 向下 16">
+            <a:extLst>
+              <a:ext uri="{FF2B5EF4-FFF2-40B4-BE49-F238E27FC236}">
+                <a16:creationId xmlns:a16="http://schemas.microsoft.com/office/drawing/2014/main" id="{ABDE700D-8183-4279-9481-B497130722CB}"/>
+              </a:ext>
+            </a:extLst>
+          </p:cNvPr>
+          <p:cNvSpPr/>
+          <p:nvPr/>
+        </p:nvSpPr>
+        <p:spPr>
+          <a:xfrm>
+            <a:off x="4758542" y="3087193"/>
+            <a:ext cx="337352" cy="450809"/>
+          </a:xfrm>
+          <a:prstGeom prst="downArrow">
+            <a:avLst/>
+          </a:prstGeom>
+          <a:ln>
+            <a:noFill/>
+          </a:ln>
+        </p:spPr>
+        <p:style>
+          <a:lnRef idx="3">
+            <a:schemeClr val="lt1"/>
+          </a:lnRef>
+          <a:fillRef idx="1">
+            <a:schemeClr val="accent6"/>
+          </a:fillRef>
+          <a:effectRef idx="1">
+            <a:schemeClr val="accent6"/>
+          </a:effectRef>
+          <a:fontRef idx="minor">
+            <a:schemeClr val="lt1"/>
+          </a:fontRef>
+        </p:style>
+        <p:txBody>
+          <a:bodyPr rtlCol="0" anchor="ctr"/>
+          <a:lstStyle/>
+          <a:p>
+            <a:pPr algn="ctr"/>
+            <a:endParaRPr lang="zh-TW" altLang="en-US"/>
+          </a:p>
+        </p:txBody>
+      </p:sp>
+      <p:sp>
+        <p:nvSpPr>
+          <p:cNvPr id="19" name="箭號: 向下 18">
+            <a:extLst>
+              <a:ext uri="{FF2B5EF4-FFF2-40B4-BE49-F238E27FC236}">
+                <a16:creationId xmlns:a16="http://schemas.microsoft.com/office/drawing/2014/main" id="{BCA188D4-791C-4BE1-86A5-F9DCA0D77F68}"/>
+              </a:ext>
+            </a:extLst>
+          </p:cNvPr>
+          <p:cNvSpPr/>
+          <p:nvPr/>
+        </p:nvSpPr>
+        <p:spPr>
+          <a:xfrm rot="16200000">
+            <a:off x="7513189" y="732587"/>
+            <a:ext cx="337823" cy="3882794"/>
+          </a:xfrm>
+          <a:prstGeom prst="downArrow">
+            <a:avLst/>
+          </a:prstGeom>
+          <a:ln>
+            <a:noFill/>
+          </a:ln>
+        </p:spPr>
+        <p:style>
+          <a:lnRef idx="3">
+            <a:schemeClr val="lt1"/>
+          </a:lnRef>
+          <a:fillRef idx="1">
+            <a:schemeClr val="accent6"/>
+          </a:fillRef>
+          <a:effectRef idx="1">
+            <a:schemeClr val="accent6"/>
+          </a:effectRef>
+          <a:fontRef idx="minor">
+            <a:schemeClr val="lt1"/>
+          </a:fontRef>
+        </p:style>
+        <p:txBody>
+          <a:bodyPr rtlCol="0" anchor="ctr"/>
+          <a:lstStyle/>
+          <a:p>
+            <a:pPr algn="ctr"/>
+            <a:endParaRPr lang="zh-TW" altLang="en-US"/>
+          </a:p>
+        </p:txBody>
+      </p:sp>
+      <p:sp>
+        <p:nvSpPr>
+          <p:cNvPr id="20" name="矩形: 圓角 19">
+            <a:extLst>
+              <a:ext uri="{FF2B5EF4-FFF2-40B4-BE49-F238E27FC236}">
+                <a16:creationId xmlns:a16="http://schemas.microsoft.com/office/drawing/2014/main" id="{31857E2A-CE72-4393-A726-7188FA6BAF6B}"/>
+              </a:ext>
+            </a:extLst>
+          </p:cNvPr>
+          <p:cNvSpPr/>
+          <p:nvPr/>
+        </p:nvSpPr>
+        <p:spPr>
+          <a:xfrm>
+            <a:off x="9650773" y="2378716"/>
+            <a:ext cx="992723" cy="708477"/>
+          </a:xfrm>
+          <a:prstGeom prst="roundRect">
+            <a:avLst/>
+          </a:prstGeom>
+          <a:ln w="28575"/>
+        </p:spPr>
+        <p:style>
+          <a:lnRef idx="2">
+            <a:schemeClr val="accent6"/>
+          </a:lnRef>
+          <a:fillRef idx="1">
+            <a:schemeClr val="lt1"/>
+          </a:fillRef>
+          <a:effectRef idx="0">
+            <a:schemeClr val="accent6"/>
+          </a:effectRef>
+          <a:fontRef idx="minor">
+            <a:schemeClr val="dk1"/>
+          </a:fontRef>
+        </p:style>
+        <p:txBody>
+          <a:bodyPr rtlCol="0" anchor="t"/>
+          <a:lstStyle/>
+          <a:p>
+            <a:pPr algn="ctr"/>
+            <a:r>
+              <a:rPr lang="en-US" altLang="zh-TW" dirty="0" err="1">
+                <a:ea typeface="標楷體" panose="03000509000000000000" pitchFamily="65" charset="-120"/>
+              </a:rPr>
+              <a:t>Hsync</a:t>
+            </a:r>
+            <a:r>
+              <a:rPr lang="en-US" altLang="zh-TW" dirty="0">
+                <a:ea typeface="標楷體" panose="03000509000000000000" pitchFamily="65" charset="-120"/>
+              </a:rPr>
+              <a:t>,</a:t>
+            </a:r>
+          </a:p>
+          <a:p>
+            <a:pPr algn="ctr"/>
+            <a:r>
+              <a:rPr lang="en-US" altLang="zh-TW" dirty="0" err="1">
+                <a:ea typeface="標楷體" panose="03000509000000000000" pitchFamily="65" charset="-120"/>
+              </a:rPr>
+              <a:t>Vsync</a:t>
+            </a:r>
+            <a:endParaRPr lang="en-US" altLang="zh-TW" dirty="0">
+              <a:ea typeface="標楷體" panose="03000509000000000000" pitchFamily="65" charset="-120"/>
+            </a:endParaRPr>
+          </a:p>
+        </p:txBody>
+      </p:sp>
+      <p:sp>
+        <p:nvSpPr>
+          <p:cNvPr id="21" name="矩形: 圓角 20">
+            <a:extLst>
+              <a:ext uri="{FF2B5EF4-FFF2-40B4-BE49-F238E27FC236}">
+                <a16:creationId xmlns:a16="http://schemas.microsoft.com/office/drawing/2014/main" id="{6D14840B-B536-4728-9608-04CC50AEEA86}"/>
+              </a:ext>
+            </a:extLst>
+          </p:cNvPr>
+          <p:cNvSpPr/>
+          <p:nvPr/>
+        </p:nvSpPr>
+        <p:spPr>
+          <a:xfrm>
+            <a:off x="9367774" y="3429372"/>
+            <a:ext cx="1639956" cy="1003391"/>
+          </a:xfrm>
+          <a:prstGeom prst="roundRect">
+            <a:avLst/>
+          </a:prstGeom>
+          <a:ln w="28575"/>
+        </p:spPr>
+        <p:style>
+          <a:lnRef idx="2">
+            <a:schemeClr val="accent6"/>
+          </a:lnRef>
+          <a:fillRef idx="1">
+            <a:schemeClr val="lt1"/>
+          </a:fillRef>
+          <a:effectRef idx="0">
+            <a:schemeClr val="accent6"/>
+          </a:effectRef>
+          <a:fontRef idx="minor">
+            <a:schemeClr val="dk1"/>
+          </a:fontRef>
+        </p:style>
+        <p:txBody>
+          <a:bodyPr rtlCol="0" anchor="t"/>
+          <a:lstStyle/>
+          <a:p>
+            <a:r>
+              <a:rPr lang="en-US" altLang="zh-TW" dirty="0" err="1">
+                <a:ea typeface="標楷體" panose="03000509000000000000" pitchFamily="65" charset="-120"/>
+              </a:rPr>
+              <a:t>VGA_Red</a:t>
+            </a:r>
+            <a:r>
+              <a:rPr lang="en-US" altLang="zh-TW" dirty="0">
+                <a:ea typeface="標楷體" panose="03000509000000000000" pitchFamily="65" charset="-120"/>
+              </a:rPr>
+              <a:t>[3],</a:t>
+            </a:r>
+          </a:p>
+          <a:p>
+            <a:r>
+              <a:rPr lang="en-US" altLang="zh-TW" dirty="0" err="1">
+                <a:ea typeface="標楷體" panose="03000509000000000000" pitchFamily="65" charset="-120"/>
+              </a:rPr>
+              <a:t>VGA_Grn</a:t>
+            </a:r>
+            <a:r>
+              <a:rPr lang="en-US" altLang="zh-TW" dirty="0">
+                <a:ea typeface="標楷體" panose="03000509000000000000" pitchFamily="65" charset="-120"/>
+              </a:rPr>
+              <a:t>[3],</a:t>
+            </a:r>
+          </a:p>
+          <a:p>
+            <a:r>
+              <a:rPr lang="en-US" altLang="zh-TW" dirty="0">
+                <a:ea typeface="標楷體" panose="03000509000000000000" pitchFamily="65" charset="-120"/>
+              </a:rPr>
+              <a:t> </a:t>
+            </a:r>
+            <a:r>
+              <a:rPr lang="en-US" altLang="zh-TW" dirty="0" err="1">
+                <a:ea typeface="標楷體" panose="03000509000000000000" pitchFamily="65" charset="-120"/>
+              </a:rPr>
+              <a:t>VGA_Blu</a:t>
+            </a:r>
+            <a:r>
+              <a:rPr lang="en-US" altLang="zh-TW" dirty="0">
+                <a:ea typeface="標楷體" panose="03000509000000000000" pitchFamily="65" charset="-120"/>
+              </a:rPr>
+              <a:t>[2],</a:t>
+            </a:r>
+          </a:p>
+          <a:p>
+            <a:endParaRPr lang="zh-TW" altLang="en-US" dirty="0">
+              <a:ea typeface="標楷體" panose="03000509000000000000" pitchFamily="65" charset="-120"/>
+            </a:endParaRPr>
+          </a:p>
+        </p:txBody>
+      </p:sp>
+      <p:sp>
+        <p:nvSpPr>
+          <p:cNvPr id="23" name="矩形: 圓角 22">
+            <a:extLst>
+              <a:ext uri="{FF2B5EF4-FFF2-40B4-BE49-F238E27FC236}">
+                <a16:creationId xmlns:a16="http://schemas.microsoft.com/office/drawing/2014/main" id="{C8D313AA-BE73-427F-846A-5B32E79686D5}"/>
+              </a:ext>
+            </a:extLst>
+          </p:cNvPr>
+          <p:cNvSpPr/>
+          <p:nvPr/>
+        </p:nvSpPr>
+        <p:spPr>
+          <a:xfrm>
+            <a:off x="3739946" y="4748036"/>
+            <a:ext cx="2374544" cy="696087"/>
+          </a:xfrm>
+          <a:prstGeom prst="roundRect">
+            <a:avLst/>
+          </a:prstGeom>
+          <a:ln w="28575"/>
+        </p:spPr>
+        <p:style>
+          <a:lnRef idx="2">
+            <a:schemeClr val="accent6"/>
+          </a:lnRef>
+          <a:fillRef idx="1">
+            <a:schemeClr val="lt1"/>
+          </a:fillRef>
+          <a:effectRef idx="0">
+            <a:schemeClr val="accent6"/>
+          </a:effectRef>
+          <a:fontRef idx="minor">
+            <a:schemeClr val="dk1"/>
+          </a:fontRef>
+        </p:style>
+        <p:txBody>
+          <a:bodyPr rtlCol="0" anchor="t"/>
+          <a:lstStyle/>
+          <a:p>
+            <a:r>
+              <a:rPr lang="en-US" altLang="zh-TW" dirty="0">
+                <a:ea typeface="標楷體" panose="03000509000000000000" pitchFamily="65" charset="-120"/>
+              </a:rPr>
+              <a:t>padding</a:t>
+            </a:r>
+            <a:r>
+              <a:rPr lang="zh-TW" altLang="en-US" dirty="0">
+                <a:ea typeface="標楷體" panose="03000509000000000000" pitchFamily="65" charset="-120"/>
+              </a:rPr>
+              <a:t>並依序</a:t>
+            </a:r>
+            <a:endParaRPr lang="en-US" altLang="zh-TW" dirty="0">
+              <a:ea typeface="標楷體" panose="03000509000000000000" pitchFamily="65" charset="-120"/>
+            </a:endParaRPr>
+          </a:p>
+          <a:p>
+            <a:r>
+              <a:rPr lang="zh-TW" altLang="en-US" dirty="0">
+                <a:ea typeface="標楷體" panose="03000509000000000000" pitchFamily="65" charset="-120"/>
+              </a:rPr>
+              <a:t>存進</a:t>
+            </a:r>
+            <a:r>
+              <a:rPr lang="en-US" altLang="zh-TW" dirty="0" err="1">
+                <a:ea typeface="標楷體" panose="03000509000000000000" pitchFamily="65" charset="-120"/>
+              </a:rPr>
+              <a:t>cachesystem</a:t>
+            </a:r>
+            <a:endParaRPr lang="zh-TW" altLang="en-US" dirty="0">
+              <a:ea typeface="標楷體" panose="03000509000000000000" pitchFamily="65" charset="-120"/>
+            </a:endParaRPr>
+          </a:p>
+        </p:txBody>
+      </p:sp>
+      <p:sp>
+        <p:nvSpPr>
+          <p:cNvPr id="24" name="箭號: 向下 23">
+            <a:extLst>
+              <a:ext uri="{FF2B5EF4-FFF2-40B4-BE49-F238E27FC236}">
+                <a16:creationId xmlns:a16="http://schemas.microsoft.com/office/drawing/2014/main" id="{33ECE748-26F5-4AB8-AB53-6147AB0079A5}"/>
+              </a:ext>
+            </a:extLst>
+          </p:cNvPr>
+          <p:cNvSpPr/>
+          <p:nvPr/>
+        </p:nvSpPr>
+        <p:spPr>
+          <a:xfrm rot="16200000">
+            <a:off x="8759797" y="3447272"/>
+            <a:ext cx="318822" cy="963735"/>
+          </a:xfrm>
+          <a:prstGeom prst="downArrow">
+            <a:avLst/>
+          </a:prstGeom>
+          <a:ln>
+            <a:noFill/>
+          </a:ln>
+        </p:spPr>
+        <p:style>
+          <a:lnRef idx="3">
+            <a:schemeClr val="lt1"/>
+          </a:lnRef>
+          <a:fillRef idx="1">
+            <a:schemeClr val="accent6"/>
+          </a:fillRef>
+          <a:effectRef idx="1">
+            <a:schemeClr val="accent6"/>
+          </a:effectRef>
+          <a:fontRef idx="minor">
+            <a:schemeClr val="lt1"/>
+          </a:fontRef>
+        </p:style>
+        <p:txBody>
+          <a:bodyPr rtlCol="0" anchor="ctr"/>
+          <a:lstStyle/>
+          <a:p>
+            <a:pPr algn="ctr"/>
+            <a:endParaRPr lang="zh-TW" altLang="en-US"/>
+          </a:p>
+        </p:txBody>
+      </p:sp>
+      <p:sp>
+        <p:nvSpPr>
+          <p:cNvPr id="25" name="矩形: 圓角 24">
+            <a:extLst>
+              <a:ext uri="{FF2B5EF4-FFF2-40B4-BE49-F238E27FC236}">
+                <a16:creationId xmlns:a16="http://schemas.microsoft.com/office/drawing/2014/main" id="{9C7C26B2-77D2-4A43-9144-EA912F7A579B}"/>
+              </a:ext>
+            </a:extLst>
+          </p:cNvPr>
+          <p:cNvSpPr/>
+          <p:nvPr/>
+        </p:nvSpPr>
+        <p:spPr>
+          <a:xfrm>
+            <a:off x="5986254" y="3438041"/>
+            <a:ext cx="2444763" cy="961988"/>
+          </a:xfrm>
+          <a:prstGeom prst="roundRect">
+            <a:avLst/>
+          </a:prstGeom>
+          <a:ln w="28575"/>
+        </p:spPr>
+        <p:style>
+          <a:lnRef idx="2">
+            <a:schemeClr val="accent6"/>
+          </a:lnRef>
+          <a:fillRef idx="1">
+            <a:schemeClr val="lt1"/>
+          </a:fillRef>
+          <a:effectRef idx="0">
+            <a:schemeClr val="accent6"/>
+          </a:effectRef>
+          <a:fontRef idx="minor">
+            <a:schemeClr val="dk1"/>
+          </a:fontRef>
+        </p:style>
+        <p:txBody>
+          <a:bodyPr rtlCol="0" anchor="t"/>
+          <a:lstStyle/>
+          <a:p>
+            <a:r>
+              <a:rPr lang="zh-TW" altLang="en-US" dirty="0">
+                <a:ea typeface="標楷體" panose="03000509000000000000" pitchFamily="65" charset="-120"/>
+              </a:rPr>
+              <a:t>依計數器對應之位置</a:t>
+            </a:r>
+            <a:endParaRPr lang="en-US" altLang="zh-TW" dirty="0">
+              <a:ea typeface="標楷體" panose="03000509000000000000" pitchFamily="65" charset="-120"/>
+            </a:endParaRPr>
+          </a:p>
+          <a:p>
+            <a:r>
+              <a:rPr lang="zh-TW" altLang="en-US" dirty="0">
+                <a:ea typeface="標楷體" panose="03000509000000000000" pitchFamily="65" charset="-120"/>
+              </a:rPr>
+              <a:t>對</a:t>
+            </a:r>
+            <a:r>
+              <a:rPr lang="en-US" altLang="zh-TW" dirty="0">
+                <a:ea typeface="標楷體" panose="03000509000000000000" pitchFamily="65" charset="-120"/>
+              </a:rPr>
+              <a:t>Sobel kernel</a:t>
+            </a:r>
+            <a:r>
+              <a:rPr lang="zh-TW" altLang="en-US" dirty="0">
+                <a:ea typeface="標楷體" panose="03000509000000000000" pitchFamily="65" charset="-120"/>
+              </a:rPr>
+              <a:t>、</a:t>
+            </a:r>
+            <a:endParaRPr lang="en-US" altLang="zh-TW" dirty="0">
+              <a:ea typeface="標楷體" panose="03000509000000000000" pitchFamily="65" charset="-120"/>
+            </a:endParaRPr>
+          </a:p>
+          <a:p>
+            <a:r>
+              <a:rPr lang="en-US" altLang="zh-TW" dirty="0" err="1">
+                <a:ea typeface="標楷體" panose="03000509000000000000" pitchFamily="65" charset="-120"/>
+              </a:rPr>
+              <a:t>cachesystem</a:t>
+            </a:r>
+            <a:r>
+              <a:rPr lang="zh-TW" altLang="en-US" dirty="0">
+                <a:ea typeface="標楷體" panose="03000509000000000000" pitchFamily="65" charset="-120"/>
+              </a:rPr>
+              <a:t>做卷積</a:t>
+            </a:r>
+          </a:p>
+        </p:txBody>
+      </p:sp>
+      <p:sp>
+        <p:nvSpPr>
+          <p:cNvPr id="28" name="文字方塊 27">
+            <a:extLst>
+              <a:ext uri="{FF2B5EF4-FFF2-40B4-BE49-F238E27FC236}">
+                <a16:creationId xmlns:a16="http://schemas.microsoft.com/office/drawing/2014/main" id="{4EAC2321-91CF-4F2A-9B5F-49EE4E4762CF}"/>
+              </a:ext>
+            </a:extLst>
+          </p:cNvPr>
+          <p:cNvSpPr txBox="1"/>
+          <p:nvPr/>
+        </p:nvSpPr>
+        <p:spPr>
+          <a:xfrm>
+            <a:off x="5152962" y="1656118"/>
+            <a:ext cx="1349405" cy="338554"/>
+          </a:xfrm>
+          <a:prstGeom prst="rect">
+            <a:avLst/>
+          </a:prstGeom>
+          <a:noFill/>
+        </p:spPr>
+        <p:txBody>
+          <a:bodyPr wrap="square" rtlCol="0">
+            <a:spAutoFit/>
+          </a:bodyPr>
+          <a:lstStyle/>
+          <a:p>
+            <a:pPr lvl="1"/>
+            <a:r>
+              <a:rPr lang="en-US" altLang="zh-TW" sz="1600" dirty="0">
+                <a:latin typeface="Times New Roman" panose="02020603050405020304" pitchFamily="18" charset="0"/>
+                <a:ea typeface="標楷體" panose="03000509000000000000" pitchFamily="65" charset="-120"/>
+              </a:rPr>
+              <a:t>FPGA</a:t>
+            </a:r>
+            <a:endParaRPr lang="zh-TW" altLang="en-US" sz="1600" dirty="0">
+              <a:latin typeface="Times New Roman" panose="02020603050405020304" pitchFamily="18" charset="0"/>
+              <a:ea typeface="標楷體" panose="03000509000000000000" pitchFamily="65" charset="-120"/>
+            </a:endParaRPr>
+          </a:p>
+        </p:txBody>
+      </p:sp>
+      <p:sp>
+        <p:nvSpPr>
+          <p:cNvPr id="29" name="箭號: 向下 28">
+            <a:extLst>
+              <a:ext uri="{FF2B5EF4-FFF2-40B4-BE49-F238E27FC236}">
+                <a16:creationId xmlns:a16="http://schemas.microsoft.com/office/drawing/2014/main" id="{96944051-808C-45B4-8CCC-03A048F0190A}"/>
+              </a:ext>
+            </a:extLst>
+          </p:cNvPr>
+          <p:cNvSpPr/>
+          <p:nvPr/>
+        </p:nvSpPr>
+        <p:spPr>
+          <a:xfrm>
+            <a:off x="4731560" y="4294197"/>
+            <a:ext cx="337352" cy="428840"/>
+          </a:xfrm>
+          <a:prstGeom prst="downArrow">
+            <a:avLst/>
+          </a:prstGeom>
+          <a:ln>
+            <a:noFill/>
+          </a:ln>
+        </p:spPr>
+        <p:style>
+          <a:lnRef idx="3">
+            <a:schemeClr val="lt1"/>
+          </a:lnRef>
+          <a:fillRef idx="1">
+            <a:schemeClr val="accent6"/>
+          </a:fillRef>
+          <a:effectRef idx="1">
+            <a:schemeClr val="accent6"/>
+          </a:effectRef>
+          <a:fontRef idx="minor">
+            <a:schemeClr val="lt1"/>
+          </a:fontRef>
+        </p:style>
+        <p:txBody>
+          <a:bodyPr rtlCol="0" anchor="ctr"/>
+          <a:lstStyle/>
+          <a:p>
+            <a:pPr algn="ctr"/>
+            <a:endParaRPr lang="zh-TW" altLang="en-US"/>
+          </a:p>
+        </p:txBody>
+      </p:sp>
+      <p:sp>
+        <p:nvSpPr>
+          <p:cNvPr id="2" name="箭號: 彎曲 1">
+            <a:extLst>
+              <a:ext uri="{FF2B5EF4-FFF2-40B4-BE49-F238E27FC236}">
+                <a16:creationId xmlns:a16="http://schemas.microsoft.com/office/drawing/2014/main" id="{97321324-E2FD-4046-BB97-01798CB47FFE}"/>
+              </a:ext>
+            </a:extLst>
+          </p:cNvPr>
+          <p:cNvSpPr/>
+          <p:nvPr/>
+        </p:nvSpPr>
+        <p:spPr>
+          <a:xfrm rot="5400000" flipH="1">
+            <a:off x="6312463" y="4202999"/>
+            <a:ext cx="836420" cy="1232369"/>
+          </a:xfrm>
+          <a:prstGeom prst="bentArrow">
+            <a:avLst/>
+          </a:prstGeom>
+        </p:spPr>
+        <p:style>
+          <a:lnRef idx="2">
+            <a:schemeClr val="accent1">
+              <a:shade val="50000"/>
+            </a:schemeClr>
+          </a:lnRef>
+          <a:fillRef idx="1">
+            <a:schemeClr val="accent1"/>
+          </a:fillRef>
+          <a:effectRef idx="0">
+            <a:schemeClr val="accent1"/>
+          </a:effectRef>
+          <a:fontRef idx="minor">
+            <a:schemeClr val="lt1"/>
+          </a:fontRef>
+        </p:style>
+        <p:txBody>
+          <a:bodyPr rtlCol="0" anchor="ctr"/>
+          <a:lstStyle/>
+          <a:p>
+            <a:pPr algn="ctr"/>
+            <a:endParaRPr lang="zh-TW" altLang="en-US">
+              <a:solidFill>
+                <a:schemeClr val="tx1"/>
+              </a:solidFill>
             </a:endParaRPr>
           </a:p>
         </p:txBody>
@@ -6386,7 +7502,7 @@
         </p:blipFill>
         <p:spPr>
           <a:xfrm>
-            <a:off x="385115" y="3033315"/>
+            <a:off x="385115" y="3095462"/>
             <a:ext cx="11421770" cy="2153158"/>
           </a:xfrm>
           <a:prstGeom prst="rect">
@@ -6465,8 +7581,8 @@
         </p:nvSpPr>
         <p:spPr>
           <a:xfrm>
-            <a:off x="1597981" y="1350601"/>
-            <a:ext cx="6977848" cy="1815882"/>
+            <a:off x="1509205" y="1459059"/>
+            <a:ext cx="3808520" cy="1815882"/>
           </a:xfrm>
           <a:prstGeom prst="rect">
             <a:avLst/>
@@ -6518,15 +7634,12 @@
                 <a:latin typeface="Times New Roman" panose="02020603050405020304" pitchFamily="18" charset="0"/>
                 <a:ea typeface="標楷體" panose="03000509000000000000" pitchFamily="65" charset="-120"/>
               </a:rPr>
-              <a:t>Bram_gary</a:t>
-            </a:r>
-            <a:r>
-              <a:rPr lang="en-US" altLang="zh-TW" sz="1600" dirty="0">
-                <a:latin typeface="Times New Roman" panose="02020603050405020304" pitchFamily="18" charset="0"/>
-                <a:ea typeface="標楷體" panose="03000509000000000000" pitchFamily="65" charset="-120"/>
-              </a:rPr>
-              <a:t> (.COE)</a:t>
-            </a:r>
+              <a:t>sync_pulse</a:t>
+            </a:r>
+            <a:endParaRPr lang="en-US" altLang="zh-TW" sz="1600" dirty="0">
+              <a:latin typeface="Times New Roman" panose="02020603050405020304" pitchFamily="18" charset="0"/>
+              <a:ea typeface="標楷體" panose="03000509000000000000" pitchFamily="65" charset="-120"/>
+            </a:endParaRPr>
           </a:p>
           <a:p>
             <a:pPr marL="1200150" lvl="2" indent="-285750">
@@ -6538,7 +7651,7 @@
                 <a:latin typeface="Times New Roman" panose="02020603050405020304" pitchFamily="18" charset="0"/>
                 <a:ea typeface="標楷體" panose="03000509000000000000" pitchFamily="65" charset="-120"/>
               </a:rPr>
-              <a:t>sobel_warpper</a:t>
+              <a:t>sync_to_count</a:t>
             </a:r>
             <a:endParaRPr lang="en-US" altLang="zh-TW" sz="1600" dirty="0">
               <a:latin typeface="Times New Roman" panose="02020603050405020304" pitchFamily="18" charset="0"/>
@@ -6546,7 +7659,7 @@
             </a:endParaRPr>
           </a:p>
           <a:p>
-            <a:pPr marL="1657350" lvl="3" indent="-285750">
+            <a:pPr marL="1200150" lvl="2" indent="-285750">
               <a:buFont typeface="Arial" panose="020B0604020202020204" pitchFamily="34" charset="0"/>
               <a:buChar char="•"/>
             </a:pPr>
@@ -6555,42 +7668,31 @@
                 <a:latin typeface="Times New Roman" panose="02020603050405020304" pitchFamily="18" charset="0"/>
                 <a:ea typeface="標楷體" panose="03000509000000000000" pitchFamily="65" charset="-120"/>
               </a:rPr>
-              <a:t>CacheSystem</a:t>
-            </a:r>
+              <a:t>Bram_gary</a:t>
+            </a:r>
+            <a:r>
+              <a:rPr lang="en-US" altLang="zh-TW" sz="1600" dirty="0">
+                <a:latin typeface="Times New Roman" panose="02020603050405020304" pitchFamily="18" charset="0"/>
+                <a:ea typeface="標楷體" panose="03000509000000000000" pitchFamily="65" charset="-120"/>
+              </a:rPr>
+              <a:t> (.COE)</a:t>
+            </a:r>
+          </a:p>
+          <a:p>
+            <a:pPr marL="1200150" lvl="2" indent="-285750">
+              <a:buFont typeface="Arial" panose="020B0604020202020204" pitchFamily="34" charset="0"/>
+              <a:buChar char="•"/>
+            </a:pPr>
             <a:endParaRPr lang="en-US" altLang="zh-TW" sz="1600" dirty="0">
               <a:latin typeface="Times New Roman" panose="02020603050405020304" pitchFamily="18" charset="0"/>
               <a:ea typeface="標楷體" panose="03000509000000000000" pitchFamily="65" charset="-120"/>
             </a:endParaRPr>
           </a:p>
           <a:p>
-            <a:pPr marL="1657350" lvl="3" indent="-285750">
-              <a:buFont typeface="Arial" panose="020B0604020202020204" pitchFamily="34" charset="0"/>
-              <a:buChar char="•"/>
-            </a:pPr>
-            <a:r>
-              <a:rPr lang="en-US" altLang="zh-TW" sz="1600" dirty="0" err="1">
-                <a:latin typeface="Times New Roman" panose="02020603050405020304" pitchFamily="18" charset="0"/>
-                <a:ea typeface="標楷體" panose="03000509000000000000" pitchFamily="65" charset="-120"/>
-              </a:rPr>
-              <a:t>edge_sobel</a:t>
-            </a:r>
-            <a:endParaRPr lang="en-US" altLang="zh-TW" sz="1600" dirty="0">
-              <a:latin typeface="Times New Roman" panose="02020603050405020304" pitchFamily="18" charset="0"/>
-              <a:ea typeface="標楷體" panose="03000509000000000000" pitchFamily="65" charset="-120"/>
-            </a:endParaRPr>
-          </a:p>
-          <a:p>
             <a:pPr marL="1200150" lvl="2" indent="-285750">
               <a:buFont typeface="Arial" panose="020B0604020202020204" pitchFamily="34" charset="0"/>
               <a:buChar char="•"/>
             </a:pPr>
-            <a:r>
-              <a:rPr lang="en-US" altLang="zh-TW" sz="1600" dirty="0" err="1">
-                <a:latin typeface="Times New Roman" panose="02020603050405020304" pitchFamily="18" charset="0"/>
-                <a:ea typeface="標楷體" panose="03000509000000000000" pitchFamily="65" charset="-120"/>
-              </a:rPr>
-              <a:t>RGB_out</a:t>
-            </a:r>
             <a:endParaRPr lang="en-US" altLang="zh-TW" sz="1600" dirty="0">
               <a:latin typeface="Times New Roman" panose="02020603050405020304" pitchFamily="18" charset="0"/>
               <a:ea typeface="標楷體" panose="03000509000000000000" pitchFamily="65" charset="-120"/>
@@ -6628,6 +7730,99 @@
           </a:prstGeom>
         </p:spPr>
       </p:pic>
+      <p:sp>
+        <p:nvSpPr>
+          <p:cNvPr id="7" name="文字方塊 6">
+            <a:extLst>
+              <a:ext uri="{FF2B5EF4-FFF2-40B4-BE49-F238E27FC236}">
+                <a16:creationId xmlns:a16="http://schemas.microsoft.com/office/drawing/2014/main" id="{6414C650-64EC-4B6F-8D8A-23165979C40A}"/>
+              </a:ext>
+            </a:extLst>
+          </p:cNvPr>
+          <p:cNvSpPr txBox="1"/>
+          <p:nvPr/>
+        </p:nvSpPr>
+        <p:spPr>
+          <a:xfrm>
+            <a:off x="3413465" y="1722284"/>
+            <a:ext cx="6094520" cy="1077218"/>
+          </a:xfrm>
+          <a:prstGeom prst="rect">
+            <a:avLst/>
+          </a:prstGeom>
+          <a:noFill/>
+        </p:spPr>
+        <p:txBody>
+          <a:bodyPr wrap="square">
+            <a:spAutoFit/>
+          </a:bodyPr>
+          <a:lstStyle/>
+          <a:p>
+            <a:pPr marL="1200150" lvl="2" indent="-285750">
+              <a:buFont typeface="Arial" panose="020B0604020202020204" pitchFamily="34" charset="0"/>
+              <a:buChar char="•"/>
+            </a:pPr>
+            <a:r>
+              <a:rPr lang="en-US" altLang="zh-TW" sz="1600" dirty="0" err="1">
+                <a:latin typeface="Times New Roman" panose="02020603050405020304" pitchFamily="18" charset="0"/>
+                <a:ea typeface="標楷體" panose="03000509000000000000" pitchFamily="65" charset="-120"/>
+              </a:rPr>
+              <a:t>sobel_warpper</a:t>
+            </a:r>
+            <a:endParaRPr lang="en-US" altLang="zh-TW" sz="1600" dirty="0">
+              <a:latin typeface="Times New Roman" panose="02020603050405020304" pitchFamily="18" charset="0"/>
+              <a:ea typeface="標楷體" panose="03000509000000000000" pitchFamily="65" charset="-120"/>
+            </a:endParaRPr>
+          </a:p>
+          <a:p>
+            <a:pPr marL="1657350" lvl="3" indent="-285750">
+              <a:buFont typeface="Arial" panose="020B0604020202020204" pitchFamily="34" charset="0"/>
+              <a:buChar char="•"/>
+            </a:pPr>
+            <a:r>
+              <a:rPr lang="en-US" altLang="zh-TW" sz="1600" dirty="0" err="1">
+                <a:latin typeface="Times New Roman" panose="02020603050405020304" pitchFamily="18" charset="0"/>
+                <a:ea typeface="標楷體" panose="03000509000000000000" pitchFamily="65" charset="-120"/>
+              </a:rPr>
+              <a:t>CacheSystem</a:t>
+            </a:r>
+            <a:endParaRPr lang="en-US" altLang="zh-TW" sz="1600" dirty="0">
+              <a:latin typeface="Times New Roman" panose="02020603050405020304" pitchFamily="18" charset="0"/>
+              <a:ea typeface="標楷體" panose="03000509000000000000" pitchFamily="65" charset="-120"/>
+            </a:endParaRPr>
+          </a:p>
+          <a:p>
+            <a:pPr marL="2114550" lvl="4" indent="-285750">
+              <a:buFont typeface="Arial" panose="020B0604020202020204" pitchFamily="34" charset="0"/>
+              <a:buChar char="•"/>
+            </a:pPr>
+            <a:r>
+              <a:rPr lang="en-US" altLang="zh-TW" sz="1600" dirty="0">
+                <a:latin typeface="Times New Roman" panose="02020603050405020304" pitchFamily="18" charset="0"/>
+                <a:ea typeface="標楷體" panose="03000509000000000000" pitchFamily="65" charset="-120"/>
+              </a:rPr>
+              <a:t>line buffer x3</a:t>
+            </a:r>
+          </a:p>
+          <a:p>
+            <a:pPr marL="1657350" lvl="3" indent="-285750">
+              <a:buFont typeface="Arial" panose="020B0604020202020204" pitchFamily="34" charset="0"/>
+              <a:buChar char="•"/>
+            </a:pPr>
+            <a:r>
+              <a:rPr lang="en-US" altLang="zh-TW" sz="1600" dirty="0" err="1">
+                <a:latin typeface="Times New Roman" panose="02020603050405020304" pitchFamily="18" charset="0"/>
+                <a:ea typeface="標楷體" panose="03000509000000000000" pitchFamily="65" charset="-120"/>
+              </a:rPr>
+              <a:t>edge_sobel</a:t>
+            </a:r>
+            <a:endParaRPr lang="en-US" altLang="zh-TW" sz="1600" dirty="0">
+              <a:latin typeface="Times New Roman" panose="02020603050405020304" pitchFamily="18" charset="0"/>
+              <a:ea typeface="標楷體" panose="03000509000000000000" pitchFamily="65" charset="-120"/>
+            </a:endParaRPr>
+          </a:p>
+        </p:txBody>
+      </p:sp>
     </p:spTree>
     <p:extLst>
       <p:ext uri="{BB962C8B-B14F-4D97-AF65-F5344CB8AC3E}">
@@ -9929,7 +11124,7 @@
         </p:nvSpPr>
         <p:spPr>
           <a:xfrm>
-            <a:off x="2258604" y="4650650"/>
+            <a:off x="2258604" y="4739430"/>
             <a:ext cx="3837396" cy="369332"/>
           </a:xfrm>
           <a:prstGeom prst="rect">
@@ -9990,7 +11185,7 @@
         </p:nvGrpSpPr>
         <p:grpSpPr>
           <a:xfrm>
-            <a:off x="0" y="2716080"/>
+            <a:off x="177556" y="2778226"/>
             <a:ext cx="5914596" cy="1905097"/>
             <a:chOff x="436040" y="2490157"/>
             <a:chExt cx="7156662" cy="2305168"/>
@@ -11664,7 +12859,26 @@
             </a:r>
             <a:r>
               <a:rPr lang="en-US" altLang="zh-TW" dirty="0"/>
-              <a:t>(800 x 525) </a:t>
+              <a:t>(800 x 525)</a:t>
+            </a:r>
+          </a:p>
+          <a:p>
+            <a:pPr marL="1200150" lvl="3" indent="-285750"/>
+            <a:r>
+              <a:rPr lang="zh-TW" altLang="en-US" dirty="0"/>
+              <a:t>指撥開關</a:t>
+            </a:r>
+            <a:r>
+              <a:rPr lang="en-US" altLang="zh-TW" dirty="0"/>
+              <a:t>x2(</a:t>
+            </a:r>
+            <a:r>
+              <a:rPr lang="zh-TW" altLang="en-US" dirty="0"/>
+              <a:t>切換輸入圖案</a:t>
+            </a:r>
+            <a:r>
+              <a:rPr lang="en-US" altLang="zh-TW" dirty="0"/>
+              <a:t>)</a:t>
             </a:r>
           </a:p>
           <a:p>
@@ -12885,11 +14099,11 @@
               <a:buChar char="•"/>
             </a:pPr>
             <a:r>
-              <a:rPr lang="en-US" altLang="zh-TW" sz="1600">
+              <a:rPr lang="en-US" altLang="zh-TW" sz="1600" dirty="0">
                 <a:latin typeface="Times New Roman" panose="02020603050405020304" pitchFamily="18" charset="0"/>
                 <a:ea typeface="標楷體" panose="03000509000000000000" pitchFamily="65" charset="-120"/>
               </a:rPr>
-              <a:t>convolution</a:t>
+              <a:t>line buffer</a:t>
             </a:r>
           </a:p>
           <a:p>
@@ -12902,7 +14116,7 @@
                 <a:latin typeface="Times New Roman" panose="02020603050405020304" pitchFamily="18" charset="0"/>
                 <a:ea typeface="標楷體" panose="03000509000000000000" pitchFamily="65" charset="-120"/>
               </a:rPr>
-              <a:t>line buffer</a:t>
+              <a:t>convolution</a:t>
             </a:r>
           </a:p>
           <a:p>
@@ -13122,10 +14336,10 @@
       </p:sp>
       <p:pic>
         <p:nvPicPr>
-          <p:cNvPr id="3" name="圖片 2">
+          <p:cNvPr id="5" name="圖片 4">
             <a:extLst>
               <a:ext uri="{FF2B5EF4-FFF2-40B4-BE49-F238E27FC236}">
-                <a16:creationId xmlns:a16="http://schemas.microsoft.com/office/drawing/2014/main" id="{298E7C9C-1142-4A77-A985-D0AAA5938A5D}"/>
+                <a16:creationId xmlns:a16="http://schemas.microsoft.com/office/drawing/2014/main" id="{4224F3C1-7E48-4A75-B190-A49AFF149A14}"/>
               </a:ext>
             </a:extLst>
           </p:cNvPr>
@@ -13142,8 +14356,8 @@
         </p:blipFill>
         <p:spPr>
           <a:xfrm>
-            <a:off x="2269928" y="1629530"/>
-            <a:ext cx="7652143" cy="4184865"/>
+            <a:off x="2861080" y="1476550"/>
+            <a:ext cx="6469840" cy="4579603"/>
           </a:xfrm>
           <a:prstGeom prst="rect">
             <a:avLst/>
